--- a/Documents/SmartBin/Poster_IoT_portrait (1).pptx
+++ b/Documents/SmartBin/Poster_IoT_portrait (1).pptx
@@ -243,7 +243,7 @@
           <a:p>
             <a:fld id="{61BF6FDA-95DE-458F-8C16-E27746673CC3}" type="datetimeFigureOut">
               <a:rPr lang="de-DE" smtClean="0"/>
-              <a:t>01.07.2019</a:t>
+              <a:t>02.07.2019</a:t>
             </a:fld>
             <a:endParaRPr lang="de-DE"/>
           </a:p>
@@ -285,7 +285,7 @@
           <a:p>
             <a:fld id="{3B49511D-5B1B-4882-A608-E920FBFB3F84}" type="slidenum">
               <a:rPr lang="de-DE" smtClean="0"/>
-              <a:t>‹#›</a:t>
+              <a:t>‹Nr.›</a:t>
             </a:fld>
             <a:endParaRPr lang="de-DE"/>
           </a:p>
@@ -413,7 +413,7 @@
           <a:p>
             <a:fld id="{61BF6FDA-95DE-458F-8C16-E27746673CC3}" type="datetimeFigureOut">
               <a:rPr lang="de-DE" smtClean="0"/>
-              <a:t>01.07.2019</a:t>
+              <a:t>02.07.2019</a:t>
             </a:fld>
             <a:endParaRPr lang="de-DE"/>
           </a:p>
@@ -455,7 +455,7 @@
           <a:p>
             <a:fld id="{3B49511D-5B1B-4882-A608-E920FBFB3F84}" type="slidenum">
               <a:rPr lang="de-DE" smtClean="0"/>
-              <a:t>‹#›</a:t>
+              <a:t>‹Nr.›</a:t>
             </a:fld>
             <a:endParaRPr lang="de-DE"/>
           </a:p>
@@ -593,7 +593,7 @@
           <a:p>
             <a:fld id="{61BF6FDA-95DE-458F-8C16-E27746673CC3}" type="datetimeFigureOut">
               <a:rPr lang="de-DE" smtClean="0"/>
-              <a:t>01.07.2019</a:t>
+              <a:t>02.07.2019</a:t>
             </a:fld>
             <a:endParaRPr lang="de-DE"/>
           </a:p>
@@ -635,7 +635,7 @@
           <a:p>
             <a:fld id="{3B49511D-5B1B-4882-A608-E920FBFB3F84}" type="slidenum">
               <a:rPr lang="de-DE" smtClean="0"/>
-              <a:t>‹#›</a:t>
+              <a:t>‹Nr.›</a:t>
             </a:fld>
             <a:endParaRPr lang="de-DE"/>
           </a:p>
@@ -763,7 +763,7 @@
           <a:p>
             <a:fld id="{61BF6FDA-95DE-458F-8C16-E27746673CC3}" type="datetimeFigureOut">
               <a:rPr lang="de-DE" smtClean="0"/>
-              <a:t>01.07.2019</a:t>
+              <a:t>02.07.2019</a:t>
             </a:fld>
             <a:endParaRPr lang="de-DE"/>
           </a:p>
@@ -805,7 +805,7 @@
           <a:p>
             <a:fld id="{3B49511D-5B1B-4882-A608-E920FBFB3F84}" type="slidenum">
               <a:rPr lang="de-DE" smtClean="0"/>
-              <a:t>‹#›</a:t>
+              <a:t>‹Nr.›</a:t>
             </a:fld>
             <a:endParaRPr lang="de-DE"/>
           </a:p>
@@ -1007,7 +1007,7 @@
           <a:p>
             <a:fld id="{61BF6FDA-95DE-458F-8C16-E27746673CC3}" type="datetimeFigureOut">
               <a:rPr lang="de-DE" smtClean="0"/>
-              <a:t>01.07.2019</a:t>
+              <a:t>02.07.2019</a:t>
             </a:fld>
             <a:endParaRPr lang="de-DE"/>
           </a:p>
@@ -1049,7 +1049,7 @@
           <a:p>
             <a:fld id="{3B49511D-5B1B-4882-A608-E920FBFB3F84}" type="slidenum">
               <a:rPr lang="de-DE" smtClean="0"/>
-              <a:t>‹#›</a:t>
+              <a:t>‹Nr.›</a:t>
             </a:fld>
             <a:endParaRPr lang="de-DE"/>
           </a:p>
@@ -1239,7 +1239,7 @@
           <a:p>
             <a:fld id="{61BF6FDA-95DE-458F-8C16-E27746673CC3}" type="datetimeFigureOut">
               <a:rPr lang="de-DE" smtClean="0"/>
-              <a:t>01.07.2019</a:t>
+              <a:t>02.07.2019</a:t>
             </a:fld>
             <a:endParaRPr lang="de-DE"/>
           </a:p>
@@ -1281,7 +1281,7 @@
           <a:p>
             <a:fld id="{3B49511D-5B1B-4882-A608-E920FBFB3F84}" type="slidenum">
               <a:rPr lang="de-DE" smtClean="0"/>
-              <a:t>‹#›</a:t>
+              <a:t>‹Nr.›</a:t>
             </a:fld>
             <a:endParaRPr lang="de-DE"/>
           </a:p>
@@ -1606,7 +1606,7 @@
           <a:p>
             <a:fld id="{61BF6FDA-95DE-458F-8C16-E27746673CC3}" type="datetimeFigureOut">
               <a:rPr lang="de-DE" smtClean="0"/>
-              <a:t>01.07.2019</a:t>
+              <a:t>02.07.2019</a:t>
             </a:fld>
             <a:endParaRPr lang="de-DE"/>
           </a:p>
@@ -1648,7 +1648,7 @@
           <a:p>
             <a:fld id="{3B49511D-5B1B-4882-A608-E920FBFB3F84}" type="slidenum">
               <a:rPr lang="de-DE" smtClean="0"/>
-              <a:t>‹#›</a:t>
+              <a:t>‹Nr.›</a:t>
             </a:fld>
             <a:endParaRPr lang="de-DE"/>
           </a:p>
@@ -1724,7 +1724,7 @@
           <a:p>
             <a:fld id="{61BF6FDA-95DE-458F-8C16-E27746673CC3}" type="datetimeFigureOut">
               <a:rPr lang="de-DE" smtClean="0"/>
-              <a:t>01.07.2019</a:t>
+              <a:t>02.07.2019</a:t>
             </a:fld>
             <a:endParaRPr lang="de-DE"/>
           </a:p>
@@ -1766,7 +1766,7 @@
           <a:p>
             <a:fld id="{3B49511D-5B1B-4882-A608-E920FBFB3F84}" type="slidenum">
               <a:rPr lang="de-DE" smtClean="0"/>
-              <a:t>‹#›</a:t>
+              <a:t>‹Nr.›</a:t>
             </a:fld>
             <a:endParaRPr lang="de-DE"/>
           </a:p>
@@ -1819,7 +1819,7 @@
           <a:p>
             <a:fld id="{61BF6FDA-95DE-458F-8C16-E27746673CC3}" type="datetimeFigureOut">
               <a:rPr lang="de-DE" smtClean="0"/>
-              <a:t>01.07.2019</a:t>
+              <a:t>02.07.2019</a:t>
             </a:fld>
             <a:endParaRPr lang="de-DE"/>
           </a:p>
@@ -1861,7 +1861,7 @@
           <a:p>
             <a:fld id="{3B49511D-5B1B-4882-A608-E920FBFB3F84}" type="slidenum">
               <a:rPr lang="de-DE" smtClean="0"/>
-              <a:t>‹#›</a:t>
+              <a:t>‹Nr.›</a:t>
             </a:fld>
             <a:endParaRPr lang="de-DE"/>
           </a:p>
@@ -2096,7 +2096,7 @@
           <a:p>
             <a:fld id="{61BF6FDA-95DE-458F-8C16-E27746673CC3}" type="datetimeFigureOut">
               <a:rPr lang="de-DE" smtClean="0"/>
-              <a:t>01.07.2019</a:t>
+              <a:t>02.07.2019</a:t>
             </a:fld>
             <a:endParaRPr lang="de-DE"/>
           </a:p>
@@ -2138,7 +2138,7 @@
           <a:p>
             <a:fld id="{3B49511D-5B1B-4882-A608-E920FBFB3F84}" type="slidenum">
               <a:rPr lang="de-DE" smtClean="0"/>
-              <a:t>‹#›</a:t>
+              <a:t>‹Nr.›</a:t>
             </a:fld>
             <a:endParaRPr lang="de-DE"/>
           </a:p>
@@ -2353,7 +2353,7 @@
           <a:p>
             <a:fld id="{61BF6FDA-95DE-458F-8C16-E27746673CC3}" type="datetimeFigureOut">
               <a:rPr lang="de-DE" smtClean="0"/>
-              <a:t>01.07.2019</a:t>
+              <a:t>02.07.2019</a:t>
             </a:fld>
             <a:endParaRPr lang="de-DE"/>
           </a:p>
@@ -2395,7 +2395,7 @@
           <a:p>
             <a:fld id="{3B49511D-5B1B-4882-A608-E920FBFB3F84}" type="slidenum">
               <a:rPr lang="de-DE" smtClean="0"/>
-              <a:t>‹#›</a:t>
+              <a:t>‹Nr.›</a:t>
             </a:fld>
             <a:endParaRPr lang="de-DE"/>
           </a:p>
@@ -2566,7 +2566,7 @@
           <a:p>
             <a:fld id="{61BF6FDA-95DE-458F-8C16-E27746673CC3}" type="datetimeFigureOut">
               <a:rPr lang="de-DE" smtClean="0"/>
-              <a:t>01.07.2019</a:t>
+              <a:t>02.07.2019</a:t>
             </a:fld>
             <a:endParaRPr lang="de-DE"/>
           </a:p>
@@ -2644,7 +2644,7 @@
           <a:p>
             <a:fld id="{3B49511D-5B1B-4882-A608-E920FBFB3F84}" type="slidenum">
               <a:rPr lang="de-DE" smtClean="0"/>
-              <a:t>‹#›</a:t>
+              <a:t>‹Nr.›</a:t>
             </a:fld>
             <a:endParaRPr lang="de-DE"/>
           </a:p>
@@ -2971,6 +2971,43 @@
           <a:chExt cx="0" cy="0"/>
         </a:xfrm>
       </p:grpSpPr>
+      <p:pic>
+        <p:nvPicPr>
+          <p:cNvPr id="43" name="Grafik 42">
+            <a:extLst>
+              <a:ext uri="{FF2B5EF4-FFF2-40B4-BE49-F238E27FC236}">
+                <a16:creationId xmlns:a16="http://schemas.microsoft.com/office/drawing/2014/main" id="{2A25A513-74A2-4B03-8190-5216CDC7413F}"/>
+              </a:ext>
+            </a:extLst>
+          </p:cNvPr>
+          <p:cNvPicPr>
+            <a:picLocks noChangeAspect="1"/>
+          </p:cNvPicPr>
+          <p:nvPr/>
+        </p:nvPicPr>
+        <p:blipFill>
+          <a:blip r:embed="rId2">
+            <a:alphaModFix/>
+            <a:extLst>
+              <a:ext uri="{28A0092B-C50C-407E-A947-70E740481C1C}">
+                <a14:useLocalDpi xmlns:a14="http://schemas.microsoft.com/office/drawing/2010/main" val="0"/>
+              </a:ext>
+            </a:extLst>
+          </a:blip>
+          <a:stretch>
+            <a:fillRect/>
+          </a:stretch>
+        </p:blipFill>
+        <p:spPr>
+          <a:xfrm rot="5400000">
+            <a:off x="14400021" y="4151346"/>
+            <a:ext cx="8328255" cy="4684644"/>
+          </a:xfrm>
+          <a:prstGeom prst="rect">
+            <a:avLst/>
+          </a:prstGeom>
+        </p:spPr>
+      </p:pic>
       <p:sp>
         <p:nvSpPr>
           <p:cNvPr id="17" name="Rectangle 16">
@@ -3071,7 +3108,7 @@
                 <a:latin typeface="Segoe UI Semilight" panose="020B0402040204020203" pitchFamily="34" charset="0"/>
                 <a:cs typeface="Segoe UI Semilight" panose="020B0402040204020203" pitchFamily="34" charset="0"/>
               </a:rPr>
-              <a:t>Prof. Dr. Marcel Tilly</a:t>
+              <a:t>Prof. Dr. Marcel Tilly </a:t>
             </a:r>
           </a:p>
         </p:txBody>
@@ -3178,13 +3215,13 @@
           <p:nvPr/>
         </p:nvPicPr>
         <p:blipFill>
-          <a:blip r:embed="rId2">
+          <a:blip r:embed="rId3">
             <a:extLst>
               <a:ext uri="{28A0092B-C50C-407E-A947-70E740481C1C}">
                 <a14:useLocalDpi xmlns:a14="http://schemas.microsoft.com/office/drawing/2010/main" val="0"/>
               </a:ext>
               <a:ext uri="{96DAC541-7B7A-43D3-8B79-37D633B846F1}">
-                <asvg:svgBlip xmlns:asvg="http://schemas.microsoft.com/office/drawing/2016/SVG/main" r:embed="rId3"/>
+                <asvg:svgBlip xmlns:asvg="http://schemas.microsoft.com/office/drawing/2016/SVG/main" r:embed="rId4"/>
               </a:ext>
             </a:extLst>
           </a:blip>
@@ -3202,6 +3239,2190 @@
           </a:prstGeom>
         </p:spPr>
       </p:pic>
+      <p:sp>
+        <p:nvSpPr>
+          <p:cNvPr id="6" name="Textfeld 5">
+            <a:extLst>
+              <a:ext uri="{FF2B5EF4-FFF2-40B4-BE49-F238E27FC236}">
+                <a16:creationId xmlns:a16="http://schemas.microsoft.com/office/drawing/2014/main" id="{0420C8B5-FC0B-49A5-966D-41F037D32D2D}"/>
+              </a:ext>
+            </a:extLst>
+          </p:cNvPr>
+          <p:cNvSpPr txBox="1"/>
+          <p:nvPr/>
+        </p:nvSpPr>
+        <p:spPr>
+          <a:xfrm>
+            <a:off x="1438648" y="4974679"/>
+            <a:ext cx="6765551" cy="6370975"/>
+          </a:xfrm>
+          <a:prstGeom prst="rect">
+            <a:avLst/>
+          </a:prstGeom>
+          <a:noFill/>
+        </p:spPr>
+        <p:txBody>
+          <a:bodyPr wrap="square" rtlCol="0">
+            <a:spAutoFit/>
+          </a:bodyPr>
+          <a:lstStyle/>
+          <a:p>
+            <a:r>
+              <a:rPr lang="de-DE" sz="3600" b="1" dirty="0">
+                <a:solidFill>
+                  <a:srgbClr val="0078D4"/>
+                </a:solidFill>
+              </a:rPr>
+              <a:t>Motivation</a:t>
+            </a:r>
+            <a:r>
+              <a:rPr lang="de-DE" sz="3600" dirty="0">
+                <a:solidFill>
+                  <a:srgbClr val="0078D4"/>
+                </a:solidFill>
+              </a:rPr>
+              <a:t>:</a:t>
+            </a:r>
+          </a:p>
+          <a:p>
+            <a:endParaRPr lang="de-DE" sz="2800" dirty="0"/>
+          </a:p>
+          <a:p>
+            <a:pPr marL="285750" indent="-285750">
+              <a:buFontTx/>
+              <a:buChar char="-"/>
+            </a:pPr>
+            <a:r>
+              <a:rPr lang="de-DE" sz="2800" dirty="0"/>
+              <a:t>Einfache Kontrolle der Müllsammelstellen in Wohnanlagen</a:t>
+            </a:r>
+          </a:p>
+          <a:p>
+            <a:pPr marL="285750" indent="-285750">
+              <a:buFontTx/>
+              <a:buChar char="-"/>
+            </a:pPr>
+            <a:r>
+              <a:rPr lang="de-DE" sz="2800" dirty="0"/>
+              <a:t>Effiziente Überwachung von Wertstoffinseln </a:t>
+            </a:r>
+          </a:p>
+          <a:p>
+            <a:pPr marL="285750" indent="-285750">
+              <a:buFontTx/>
+              <a:buChar char="-"/>
+            </a:pPr>
+            <a:r>
+              <a:rPr lang="de-DE" sz="2800" dirty="0"/>
+              <a:t>Effektive Planung der Leerung von Mülltonnen</a:t>
+            </a:r>
+          </a:p>
+          <a:p>
+            <a:pPr marL="285750" indent="-285750">
+              <a:buFontTx/>
+              <a:buChar char="-"/>
+            </a:pPr>
+            <a:r>
+              <a:rPr lang="de-DE" sz="2800" dirty="0"/>
+              <a:t>Optimierung der Fahrwege für Entsorgungsbetriebe</a:t>
+            </a:r>
+          </a:p>
+          <a:p>
+            <a:pPr marL="285750" indent="-285750">
+              <a:buFontTx/>
+              <a:buChar char="-"/>
+            </a:pPr>
+            <a:r>
+              <a:rPr lang="de-DE" sz="2800" dirty="0"/>
+              <a:t>Vermeidung von Verschmutzung, Gestank und Brand</a:t>
+            </a:r>
+          </a:p>
+          <a:p>
+            <a:pPr marL="285750" indent="-285750">
+              <a:buFontTx/>
+              <a:buChar char="-"/>
+            </a:pPr>
+            <a:r>
+              <a:rPr lang="de-DE" sz="2800" dirty="0"/>
+              <a:t>Erhöhung der Lebensqualität</a:t>
+            </a:r>
+          </a:p>
+          <a:p>
+            <a:pPr marL="285750" indent="-285750">
+              <a:buFontTx/>
+              <a:buChar char="-"/>
+            </a:pPr>
+            <a:endParaRPr lang="de-DE" dirty="0"/>
+          </a:p>
+          <a:p>
+            <a:endParaRPr lang="de-DE" dirty="0"/>
+          </a:p>
+        </p:txBody>
+      </p:sp>
+      <p:sp>
+        <p:nvSpPr>
+          <p:cNvPr id="9" name="Textfeld 8">
+            <a:extLst>
+              <a:ext uri="{FF2B5EF4-FFF2-40B4-BE49-F238E27FC236}">
+                <a16:creationId xmlns:a16="http://schemas.microsoft.com/office/drawing/2014/main" id="{837ACEDA-D19C-484C-8571-D96C77FEE5C3}"/>
+              </a:ext>
+            </a:extLst>
+          </p:cNvPr>
+          <p:cNvSpPr txBox="1"/>
+          <p:nvPr/>
+        </p:nvSpPr>
+        <p:spPr>
+          <a:xfrm>
+            <a:off x="9396051" y="4821040"/>
+            <a:ext cx="11306677" cy="10987623"/>
+          </a:xfrm>
+          <a:prstGeom prst="rect">
+            <a:avLst/>
+          </a:prstGeom>
+          <a:noFill/>
+        </p:spPr>
+        <p:txBody>
+          <a:bodyPr wrap="square" rtlCol="0">
+            <a:spAutoFit/>
+          </a:bodyPr>
+          <a:lstStyle/>
+          <a:p>
+            <a:r>
+              <a:rPr lang="de-DE" sz="3600" b="1" dirty="0">
+                <a:solidFill>
+                  <a:srgbClr val="0078D4"/>
+                </a:solidFill>
+              </a:rPr>
+              <a:t>Herausforderungen:</a:t>
+            </a:r>
+          </a:p>
+          <a:p>
+            <a:endParaRPr lang="de-DE" sz="2800" i="1" dirty="0"/>
+          </a:p>
+          <a:p>
+            <a:r>
+              <a:rPr lang="de-DE" sz="2800" b="1" i="1" u="sng" dirty="0"/>
+              <a:t>Things</a:t>
+            </a:r>
+          </a:p>
+          <a:p>
+            <a:pPr marL="285750" indent="-285750">
+              <a:buFontTx/>
+              <a:buChar char="-"/>
+            </a:pPr>
+            <a:r>
+              <a:rPr lang="de-DE" sz="2800" dirty="0"/>
+              <a:t>Qualität und Messgenauigkeit der </a:t>
+            </a:r>
+          </a:p>
+          <a:p>
+            <a:r>
+              <a:rPr lang="de-DE" sz="2800" dirty="0"/>
+              <a:t>    Sensorik, v.a. Gewichtssensoren</a:t>
+            </a:r>
+          </a:p>
+          <a:p>
+            <a:pPr marL="285750" indent="-285750">
+              <a:buFontTx/>
+              <a:buChar char="-"/>
+            </a:pPr>
+            <a:r>
+              <a:rPr lang="de-DE" sz="2800" dirty="0"/>
+              <a:t>Stromversorgung des Raspberry Pi: </a:t>
+            </a:r>
+          </a:p>
+          <a:p>
+            <a:pPr marL="742950" lvl="1" indent="-285750">
+              <a:buFontTx/>
+              <a:buChar char="-"/>
+            </a:pPr>
+            <a:r>
+              <a:rPr lang="de-DE" sz="2800" dirty="0"/>
+              <a:t>Akku, Laden durch Induktion</a:t>
+            </a:r>
+          </a:p>
+          <a:p>
+            <a:pPr marL="742950" lvl="1" indent="-285750">
+              <a:buFontTx/>
+              <a:buChar char="-"/>
+            </a:pPr>
+            <a:r>
+              <a:rPr lang="de-DE" sz="2800" dirty="0"/>
+              <a:t>Stromnetz in Gebäuden</a:t>
+            </a:r>
+          </a:p>
+          <a:p>
+            <a:pPr marL="285750" indent="-285750">
+              <a:buFontTx/>
+              <a:buChar char="-"/>
+            </a:pPr>
+            <a:r>
+              <a:rPr lang="de-DE" sz="2800" dirty="0"/>
+              <a:t>Empfindliche Bauteile, leicht zerstörbar</a:t>
+            </a:r>
+          </a:p>
+          <a:p>
+            <a:pPr marL="285750" indent="-285750">
+              <a:buFontTx/>
+              <a:buChar char="-"/>
+            </a:pPr>
+            <a:endParaRPr lang="de-DE" sz="2800" dirty="0"/>
+          </a:p>
+          <a:p>
+            <a:r>
+              <a:rPr lang="de-DE" sz="2800" b="1" i="1" u="sng" dirty="0"/>
+              <a:t>Connectivity</a:t>
+            </a:r>
+          </a:p>
+          <a:p>
+            <a:pPr marL="285750" indent="-285750">
+              <a:buFontTx/>
+              <a:buChar char="-"/>
+            </a:pPr>
+            <a:r>
+              <a:rPr lang="de-DE" sz="2800" dirty="0"/>
+              <a:t>Wahl des passenden Protokolls:</a:t>
+            </a:r>
+          </a:p>
+          <a:p>
+            <a:pPr marL="742950" lvl="1" indent="-285750">
+              <a:buFontTx/>
+              <a:buChar char="-"/>
+            </a:pPr>
+            <a:r>
+              <a:rPr lang="de-DE" sz="2800" dirty="0"/>
+              <a:t>in Gebäuden: LAN/WLAN</a:t>
+            </a:r>
+          </a:p>
+          <a:p>
+            <a:pPr marL="742950" lvl="1" indent="-285750">
+              <a:buFontTx/>
+              <a:buChar char="-"/>
+            </a:pPr>
+            <a:r>
+              <a:rPr lang="de-DE" sz="2800" dirty="0"/>
+              <a:t>Außerhalb:  Mobilfunk, evtl. </a:t>
+            </a:r>
+            <a:r>
+              <a:rPr lang="de-DE" sz="2800" dirty="0" err="1"/>
+              <a:t>LoRaWAN</a:t>
+            </a:r>
+            <a:endParaRPr lang="de-DE" sz="2800" dirty="0"/>
+          </a:p>
+          <a:p>
+            <a:pPr lvl="1"/>
+            <a:endParaRPr lang="de-DE" sz="2800" dirty="0"/>
+          </a:p>
+          <a:p>
+            <a:r>
+              <a:rPr lang="de-DE" sz="2800" b="1" i="1" u="sng" dirty="0"/>
+              <a:t>Data </a:t>
+            </a:r>
+            <a:r>
+              <a:rPr lang="de-DE" sz="2800" b="1" u="sng" dirty="0"/>
+              <a:t>und </a:t>
+            </a:r>
+            <a:r>
+              <a:rPr lang="de-DE" sz="2800" b="1" i="1" u="sng" dirty="0"/>
+              <a:t>Analytics</a:t>
+            </a:r>
+          </a:p>
+          <a:p>
+            <a:pPr marL="285750" indent="-285750">
+              <a:buFontTx/>
+              <a:buChar char="-"/>
+            </a:pPr>
+            <a:r>
+              <a:rPr lang="de-DE" sz="2800" dirty="0"/>
+              <a:t>Datenerzeugung: nur bei Event (z.B. Mülleimer geöffnet) oder regelmäßiges Intervall</a:t>
+            </a:r>
+          </a:p>
+          <a:p>
+            <a:r>
+              <a:rPr lang="de-DE" sz="2800" dirty="0"/>
+              <a:t>-  Datenverarbeitung: Stream Analytics, Azure </a:t>
+            </a:r>
+            <a:r>
+              <a:rPr lang="de-DE" sz="2800" dirty="0" err="1"/>
+              <a:t>Functions</a:t>
+            </a:r>
+            <a:r>
+              <a:rPr lang="de-DE" sz="2800" dirty="0"/>
+              <a:t>, </a:t>
+            </a:r>
+            <a:r>
+              <a:rPr lang="de-DE" sz="2800" dirty="0" err="1"/>
+              <a:t>Blob</a:t>
+            </a:r>
+            <a:r>
+              <a:rPr lang="de-DE" sz="2800" dirty="0"/>
+              <a:t> Storage etc.</a:t>
+            </a:r>
+          </a:p>
+          <a:p>
+            <a:pPr marL="285750" indent="-285750">
+              <a:buFontTx/>
+              <a:buChar char="-"/>
+            </a:pPr>
+            <a:r>
+              <a:rPr lang="de-DE" sz="2800" dirty="0"/>
+              <a:t>Hohe Datenmenge</a:t>
+            </a:r>
+          </a:p>
+          <a:p>
+            <a:pPr marL="285750" indent="-285750">
+              <a:buFontTx/>
+              <a:buChar char="-"/>
+            </a:pPr>
+            <a:endParaRPr lang="de-DE" sz="2800" dirty="0"/>
+          </a:p>
+          <a:p>
+            <a:r>
+              <a:rPr lang="de-DE" sz="2800" b="1" i="1" u="sng" dirty="0"/>
+              <a:t>Weitere Probleme:</a:t>
+            </a:r>
+          </a:p>
+          <a:p>
+            <a:pPr marL="285750" indent="-285750">
+              <a:buFontTx/>
+              <a:buChar char="-"/>
+            </a:pPr>
+            <a:r>
+              <a:rPr lang="de-DE" sz="2800" dirty="0"/>
+              <a:t>Ursprüngliche Projektidee (Intelligenter Briefkasten) wurde verworfen wegen ungenauer Sensoren</a:t>
+            </a:r>
+          </a:p>
+          <a:p>
+            <a:pPr marL="285750" indent="-285750">
+              <a:buFontTx/>
+              <a:buChar char="-"/>
+            </a:pPr>
+            <a:r>
+              <a:rPr lang="de-DE" sz="2800" dirty="0"/>
+              <a:t>Bauen und Verkabeln des Smart Bin</a:t>
+            </a:r>
+          </a:p>
+        </p:txBody>
+      </p:sp>
+      <p:sp>
+        <p:nvSpPr>
+          <p:cNvPr id="10" name="Textfeld 9">
+            <a:extLst>
+              <a:ext uri="{FF2B5EF4-FFF2-40B4-BE49-F238E27FC236}">
+                <a16:creationId xmlns:a16="http://schemas.microsoft.com/office/drawing/2014/main" id="{00ECC194-BA77-420A-B43C-69146CF81705}"/>
+              </a:ext>
+            </a:extLst>
+          </p:cNvPr>
+          <p:cNvSpPr txBox="1"/>
+          <p:nvPr/>
+        </p:nvSpPr>
+        <p:spPr>
+          <a:xfrm>
+            <a:off x="1515015" y="11222667"/>
+            <a:ext cx="7411453" cy="5386090"/>
+          </a:xfrm>
+          <a:prstGeom prst="rect">
+            <a:avLst/>
+          </a:prstGeom>
+          <a:noFill/>
+        </p:spPr>
+        <p:txBody>
+          <a:bodyPr wrap="square" rtlCol="0">
+            <a:spAutoFit/>
+          </a:bodyPr>
+          <a:lstStyle/>
+          <a:p>
+            <a:r>
+              <a:rPr lang="de-DE" sz="3600" b="1" dirty="0">
+                <a:solidFill>
+                  <a:srgbClr val="0078D4"/>
+                </a:solidFill>
+              </a:rPr>
+              <a:t>Technologien:</a:t>
+            </a:r>
+          </a:p>
+          <a:p>
+            <a:endParaRPr lang="de-DE" sz="2800" dirty="0"/>
+          </a:p>
+          <a:p>
+            <a:pPr marL="285750" indent="-285750">
+              <a:buFontTx/>
+              <a:buChar char="-"/>
+            </a:pPr>
+            <a:r>
+              <a:rPr lang="de-DE" sz="2800" dirty="0"/>
+              <a:t>Raspberry Pi 3 mit Raspbian</a:t>
+            </a:r>
+          </a:p>
+          <a:p>
+            <a:pPr marL="285750" indent="-285750">
+              <a:buFontTx/>
+              <a:buChar char="-"/>
+            </a:pPr>
+            <a:r>
+              <a:rPr lang="de-DE" sz="2800" dirty="0"/>
+              <a:t>Ultraschall, </a:t>
+            </a:r>
+            <a:r>
+              <a:rPr lang="de-DE" sz="2800" dirty="0" err="1"/>
+              <a:t>Photo</a:t>
+            </a:r>
+            <a:r>
+              <a:rPr lang="de-DE" sz="2800" dirty="0"/>
+              <a:t>- und Gewichtssensoren</a:t>
+            </a:r>
+          </a:p>
+          <a:p>
+            <a:pPr marL="285750" indent="-285750">
+              <a:buFontTx/>
+              <a:buChar char="-"/>
+            </a:pPr>
+            <a:r>
+              <a:rPr lang="de-DE" sz="2800" dirty="0"/>
+              <a:t>MQTT Broker auf Microsoft Azure</a:t>
+            </a:r>
+          </a:p>
+          <a:p>
+            <a:pPr marL="285750" indent="-285750">
+              <a:buFontTx/>
+              <a:buChar char="-"/>
+            </a:pPr>
+            <a:r>
+              <a:rPr lang="de-DE" sz="2800" dirty="0" err="1"/>
+              <a:t>Blob</a:t>
+            </a:r>
+            <a:r>
+              <a:rPr lang="de-DE" sz="2800" dirty="0"/>
+              <a:t> Storage auf Microsoft Azure</a:t>
+            </a:r>
+          </a:p>
+          <a:p>
+            <a:pPr marL="285750" indent="-285750">
+              <a:buFontTx/>
+              <a:buChar char="-"/>
+            </a:pPr>
+            <a:r>
+              <a:rPr lang="de-DE" sz="2800" dirty="0"/>
+              <a:t>Publisher und Subscriber in Python</a:t>
+            </a:r>
+          </a:p>
+          <a:p>
+            <a:pPr marL="285750" indent="-285750">
+              <a:buFontTx/>
+              <a:buChar char="-"/>
+            </a:pPr>
+            <a:r>
+              <a:rPr lang="de-DE" sz="2800" dirty="0"/>
+              <a:t>Microsoft Power BI zur Darstellung von Livedaten</a:t>
+            </a:r>
+          </a:p>
+          <a:p>
+            <a:pPr marL="285750" indent="-285750">
+              <a:buFontTx/>
+              <a:buChar char="-"/>
+            </a:pPr>
+            <a:r>
+              <a:rPr lang="de-DE" sz="2800" dirty="0" err="1"/>
+              <a:t>Jupyter</a:t>
+            </a:r>
+            <a:r>
+              <a:rPr lang="de-DE" sz="2800" dirty="0"/>
+              <a:t> Notebook zur Analyse des </a:t>
+            </a:r>
+            <a:r>
+              <a:rPr lang="de-DE" sz="2800" dirty="0" err="1"/>
+              <a:t>Blob</a:t>
+            </a:r>
+            <a:r>
+              <a:rPr lang="de-DE" sz="2800" dirty="0"/>
+              <a:t> Storage</a:t>
+            </a:r>
+          </a:p>
+          <a:p>
+            <a:endParaRPr lang="de-DE" sz="2800" dirty="0"/>
+          </a:p>
+          <a:p>
+            <a:endParaRPr lang="de-DE" sz="2800" dirty="0"/>
+          </a:p>
+        </p:txBody>
+      </p:sp>
+      <p:sp>
+        <p:nvSpPr>
+          <p:cNvPr id="11" name="Rechteck 10">
+            <a:extLst>
+              <a:ext uri="{FF2B5EF4-FFF2-40B4-BE49-F238E27FC236}">
+                <a16:creationId xmlns:a16="http://schemas.microsoft.com/office/drawing/2014/main" id="{599F393A-4571-4511-B031-D855CB83DBC9}"/>
+              </a:ext>
+            </a:extLst>
+          </p:cNvPr>
+          <p:cNvSpPr/>
+          <p:nvPr/>
+        </p:nvSpPr>
+        <p:spPr>
+          <a:xfrm>
+            <a:off x="332874" y="16880492"/>
+            <a:ext cx="5665492" cy="6252223"/>
+          </a:xfrm>
+          <a:prstGeom prst="rect">
+            <a:avLst/>
+          </a:prstGeom>
+          <a:ln/>
+        </p:spPr>
+        <p:style>
+          <a:lnRef idx="2">
+            <a:schemeClr val="accent2"/>
+          </a:lnRef>
+          <a:fillRef idx="1">
+            <a:schemeClr val="lt1"/>
+          </a:fillRef>
+          <a:effectRef idx="0">
+            <a:schemeClr val="accent2"/>
+          </a:effectRef>
+          <a:fontRef idx="minor">
+            <a:schemeClr val="dk1"/>
+          </a:fontRef>
+        </p:style>
+        <p:txBody>
+          <a:bodyPr rtlCol="0" anchor="ctr"/>
+          <a:lstStyle/>
+          <a:p>
+            <a:pPr algn="ctr"/>
+            <a:endParaRPr lang="de-DE" dirty="0"/>
+          </a:p>
+        </p:txBody>
+      </p:sp>
+      <p:sp>
+        <p:nvSpPr>
+          <p:cNvPr id="12" name="Rechteck 11">
+            <a:extLst>
+              <a:ext uri="{FF2B5EF4-FFF2-40B4-BE49-F238E27FC236}">
+                <a16:creationId xmlns:a16="http://schemas.microsoft.com/office/drawing/2014/main" id="{2AF006BA-179E-42E6-8D62-38D561768CA1}"/>
+              </a:ext>
+            </a:extLst>
+          </p:cNvPr>
+          <p:cNvSpPr/>
+          <p:nvPr/>
+        </p:nvSpPr>
+        <p:spPr>
+          <a:xfrm>
+            <a:off x="9816766" y="16880492"/>
+            <a:ext cx="7192878" cy="6252223"/>
+          </a:xfrm>
+          <a:prstGeom prst="rect">
+            <a:avLst/>
+          </a:prstGeom>
+          <a:ln/>
+        </p:spPr>
+        <p:style>
+          <a:lnRef idx="2">
+            <a:schemeClr val="accent4"/>
+          </a:lnRef>
+          <a:fillRef idx="1">
+            <a:schemeClr val="lt1"/>
+          </a:fillRef>
+          <a:effectRef idx="0">
+            <a:schemeClr val="accent4"/>
+          </a:effectRef>
+          <a:fontRef idx="minor">
+            <a:schemeClr val="dk1"/>
+          </a:fontRef>
+        </p:style>
+        <p:txBody>
+          <a:bodyPr rtlCol="0" anchor="ctr"/>
+          <a:lstStyle/>
+          <a:p>
+            <a:pPr algn="ctr"/>
+            <a:endParaRPr lang="de-DE"/>
+          </a:p>
+        </p:txBody>
+      </p:sp>
+      <p:sp>
+        <p:nvSpPr>
+          <p:cNvPr id="13" name="Rechteck 12">
+            <a:extLst>
+              <a:ext uri="{FF2B5EF4-FFF2-40B4-BE49-F238E27FC236}">
+                <a16:creationId xmlns:a16="http://schemas.microsoft.com/office/drawing/2014/main" id="{98F8DC7B-5D39-4598-B3BE-433190EFEAA9}"/>
+              </a:ext>
+            </a:extLst>
+          </p:cNvPr>
+          <p:cNvSpPr/>
+          <p:nvPr/>
+        </p:nvSpPr>
+        <p:spPr>
+          <a:xfrm>
+            <a:off x="6302414" y="16880492"/>
+            <a:ext cx="3234490" cy="6252223"/>
+          </a:xfrm>
+          <a:prstGeom prst="rect">
+            <a:avLst/>
+          </a:prstGeom>
+          <a:ln/>
+        </p:spPr>
+        <p:style>
+          <a:lnRef idx="2">
+            <a:schemeClr val="accent6"/>
+          </a:lnRef>
+          <a:fillRef idx="1">
+            <a:schemeClr val="lt1"/>
+          </a:fillRef>
+          <a:effectRef idx="0">
+            <a:schemeClr val="accent6"/>
+          </a:effectRef>
+          <a:fontRef idx="minor">
+            <a:schemeClr val="dk1"/>
+          </a:fontRef>
+        </p:style>
+        <p:txBody>
+          <a:bodyPr rtlCol="0" anchor="ctr"/>
+          <a:lstStyle/>
+          <a:p>
+            <a:pPr algn="ctr"/>
+            <a:endParaRPr lang="de-DE"/>
+          </a:p>
+        </p:txBody>
+      </p:sp>
+      <p:sp>
+        <p:nvSpPr>
+          <p:cNvPr id="14" name="Rechteck 13">
+            <a:extLst>
+              <a:ext uri="{FF2B5EF4-FFF2-40B4-BE49-F238E27FC236}">
+                <a16:creationId xmlns:a16="http://schemas.microsoft.com/office/drawing/2014/main" id="{329ED3B8-4594-4D5F-A638-525DBCAF1E12}"/>
+              </a:ext>
+            </a:extLst>
+          </p:cNvPr>
+          <p:cNvSpPr/>
+          <p:nvPr/>
+        </p:nvSpPr>
+        <p:spPr>
+          <a:xfrm>
+            <a:off x="17221200" y="16811905"/>
+            <a:ext cx="3842084" cy="6320810"/>
+          </a:xfrm>
+          <a:prstGeom prst="rect">
+            <a:avLst/>
+          </a:prstGeom>
+          <a:ln/>
+        </p:spPr>
+        <p:style>
+          <a:lnRef idx="2">
+            <a:schemeClr val="accent1"/>
+          </a:lnRef>
+          <a:fillRef idx="1">
+            <a:schemeClr val="lt1"/>
+          </a:fillRef>
+          <a:effectRef idx="0">
+            <a:schemeClr val="accent1"/>
+          </a:effectRef>
+          <a:fontRef idx="minor">
+            <a:schemeClr val="dk1"/>
+          </a:fontRef>
+        </p:style>
+        <p:txBody>
+          <a:bodyPr rtlCol="0" anchor="ctr"/>
+          <a:lstStyle/>
+          <a:p>
+            <a:pPr algn="ctr"/>
+            <a:endParaRPr lang="de-DE"/>
+          </a:p>
+        </p:txBody>
+      </p:sp>
+      <p:sp>
+        <p:nvSpPr>
+          <p:cNvPr id="15" name="Rechteck 14">
+            <a:extLst>
+              <a:ext uri="{FF2B5EF4-FFF2-40B4-BE49-F238E27FC236}">
+                <a16:creationId xmlns:a16="http://schemas.microsoft.com/office/drawing/2014/main" id="{6577AFBD-3A5F-4EB7-9E57-225A19BC21EF}"/>
+              </a:ext>
+            </a:extLst>
+          </p:cNvPr>
+          <p:cNvSpPr/>
+          <p:nvPr/>
+        </p:nvSpPr>
+        <p:spPr>
+          <a:xfrm>
+            <a:off x="3513220" y="19600441"/>
+            <a:ext cx="2310063" cy="1235242"/>
+          </a:xfrm>
+          <a:prstGeom prst="rect">
+            <a:avLst/>
+          </a:prstGeom>
+        </p:spPr>
+        <p:style>
+          <a:lnRef idx="2">
+            <a:schemeClr val="accent2"/>
+          </a:lnRef>
+          <a:fillRef idx="1">
+            <a:schemeClr val="lt1"/>
+          </a:fillRef>
+          <a:effectRef idx="0">
+            <a:schemeClr val="accent2"/>
+          </a:effectRef>
+          <a:fontRef idx="minor">
+            <a:schemeClr val="dk1"/>
+          </a:fontRef>
+        </p:style>
+        <p:txBody>
+          <a:bodyPr rtlCol="0" anchor="ctr"/>
+          <a:lstStyle/>
+          <a:p>
+            <a:pPr algn="ctr"/>
+            <a:r>
+              <a:rPr lang="de-DE" sz="2800" dirty="0"/>
+              <a:t>Raspberry Pi</a:t>
+            </a:r>
+          </a:p>
+          <a:p>
+            <a:pPr algn="ctr"/>
+            <a:r>
+              <a:rPr lang="de-DE" sz="2800" dirty="0"/>
+              <a:t>(Publisher)</a:t>
+            </a:r>
+          </a:p>
+        </p:txBody>
+      </p:sp>
+      <p:cxnSp>
+        <p:nvCxnSpPr>
+          <p:cNvPr id="16" name="Gerade Verbindung mit Pfeil 15">
+            <a:extLst>
+              <a:ext uri="{FF2B5EF4-FFF2-40B4-BE49-F238E27FC236}">
+                <a16:creationId xmlns:a16="http://schemas.microsoft.com/office/drawing/2014/main" id="{7646835B-6762-4752-B5B1-D92F07569016}"/>
+              </a:ext>
+            </a:extLst>
+          </p:cNvPr>
+          <p:cNvCxnSpPr>
+            <a:cxnSpLocks/>
+            <a:stCxn id="15" idx="3"/>
+            <a:endCxn id="18" idx="1"/>
+          </p:cNvCxnSpPr>
+          <p:nvPr/>
+        </p:nvCxnSpPr>
+        <p:spPr>
+          <a:xfrm>
+            <a:off x="5823283" y="20218062"/>
+            <a:ext cx="978570" cy="0"/>
+          </a:xfrm>
+          <a:prstGeom prst="straightConnector1">
+            <a:avLst/>
+          </a:prstGeom>
+          <a:ln w="38100">
+            <a:solidFill>
+              <a:schemeClr val="tx1"/>
+            </a:solidFill>
+            <a:tailEnd type="triangle"/>
+          </a:ln>
+        </p:spPr>
+        <p:style>
+          <a:lnRef idx="1">
+            <a:schemeClr val="accent1"/>
+          </a:lnRef>
+          <a:fillRef idx="0">
+            <a:schemeClr val="accent1"/>
+          </a:fillRef>
+          <a:effectRef idx="0">
+            <a:schemeClr val="accent1"/>
+          </a:effectRef>
+          <a:fontRef idx="minor">
+            <a:schemeClr val="tx1"/>
+          </a:fontRef>
+        </p:style>
+      </p:cxnSp>
+      <p:sp>
+        <p:nvSpPr>
+          <p:cNvPr id="18" name="Rechteck 17">
+            <a:extLst>
+              <a:ext uri="{FF2B5EF4-FFF2-40B4-BE49-F238E27FC236}">
+                <a16:creationId xmlns:a16="http://schemas.microsoft.com/office/drawing/2014/main" id="{2E048797-6DEE-4254-8ADC-037F10C4EFDB}"/>
+              </a:ext>
+            </a:extLst>
+          </p:cNvPr>
+          <p:cNvSpPr/>
+          <p:nvPr/>
+        </p:nvSpPr>
+        <p:spPr>
+          <a:xfrm>
+            <a:off x="6801853" y="19600441"/>
+            <a:ext cx="2310063" cy="1235242"/>
+          </a:xfrm>
+          <a:prstGeom prst="rect">
+            <a:avLst/>
+          </a:prstGeom>
+        </p:spPr>
+        <p:style>
+          <a:lnRef idx="2">
+            <a:schemeClr val="accent6"/>
+          </a:lnRef>
+          <a:fillRef idx="1">
+            <a:schemeClr val="lt1"/>
+          </a:fillRef>
+          <a:effectRef idx="0">
+            <a:schemeClr val="accent6"/>
+          </a:effectRef>
+          <a:fontRef idx="minor">
+            <a:schemeClr val="dk1"/>
+          </a:fontRef>
+        </p:style>
+        <p:txBody>
+          <a:bodyPr rtlCol="0" anchor="ctr"/>
+          <a:lstStyle/>
+          <a:p>
+            <a:pPr algn="ctr"/>
+            <a:r>
+              <a:rPr lang="de-DE" sz="2800" dirty="0"/>
+              <a:t>MQTT Broker</a:t>
+            </a:r>
+          </a:p>
+        </p:txBody>
+      </p:sp>
+      <p:sp>
+        <p:nvSpPr>
+          <p:cNvPr id="19" name="Rechteck 18">
+            <a:extLst>
+              <a:ext uri="{FF2B5EF4-FFF2-40B4-BE49-F238E27FC236}">
+                <a16:creationId xmlns:a16="http://schemas.microsoft.com/office/drawing/2014/main" id="{86BBD590-1DFB-4E07-B977-71A6764CEF85}"/>
+              </a:ext>
+            </a:extLst>
+          </p:cNvPr>
+          <p:cNvSpPr/>
+          <p:nvPr/>
+        </p:nvSpPr>
+        <p:spPr>
+          <a:xfrm>
+            <a:off x="10425111" y="18491054"/>
+            <a:ext cx="2310063" cy="1235242"/>
+          </a:xfrm>
+          <a:prstGeom prst="rect">
+            <a:avLst/>
+          </a:prstGeom>
+        </p:spPr>
+        <p:style>
+          <a:lnRef idx="2">
+            <a:schemeClr val="accent4"/>
+          </a:lnRef>
+          <a:fillRef idx="1">
+            <a:schemeClr val="lt1"/>
+          </a:fillRef>
+          <a:effectRef idx="0">
+            <a:schemeClr val="accent4"/>
+          </a:effectRef>
+          <a:fontRef idx="minor">
+            <a:schemeClr val="dk1"/>
+          </a:fontRef>
+        </p:style>
+        <p:txBody>
+          <a:bodyPr rtlCol="0" anchor="ctr"/>
+          <a:lstStyle/>
+          <a:p>
+            <a:pPr algn="ctr"/>
+            <a:r>
+              <a:rPr lang="de-DE" sz="2800" dirty="0"/>
+              <a:t>Subscriber</a:t>
+            </a:r>
+          </a:p>
+        </p:txBody>
+      </p:sp>
+      <p:sp>
+        <p:nvSpPr>
+          <p:cNvPr id="20" name="Rechteck 19">
+            <a:extLst>
+              <a:ext uri="{FF2B5EF4-FFF2-40B4-BE49-F238E27FC236}">
+                <a16:creationId xmlns:a16="http://schemas.microsoft.com/office/drawing/2014/main" id="{E502DE09-55DB-413C-BEA3-707C20A7B1E1}"/>
+              </a:ext>
+            </a:extLst>
+          </p:cNvPr>
+          <p:cNvSpPr/>
+          <p:nvPr/>
+        </p:nvSpPr>
+        <p:spPr>
+          <a:xfrm>
+            <a:off x="17868900" y="18491054"/>
+            <a:ext cx="2310063" cy="1235242"/>
+          </a:xfrm>
+          <a:prstGeom prst="rect">
+            <a:avLst/>
+          </a:prstGeom>
+        </p:spPr>
+        <p:style>
+          <a:lnRef idx="2">
+            <a:schemeClr val="accent1"/>
+          </a:lnRef>
+          <a:fillRef idx="1">
+            <a:schemeClr val="lt1"/>
+          </a:fillRef>
+          <a:effectRef idx="0">
+            <a:schemeClr val="accent1"/>
+          </a:effectRef>
+          <a:fontRef idx="minor">
+            <a:schemeClr val="dk1"/>
+          </a:fontRef>
+        </p:style>
+        <p:txBody>
+          <a:bodyPr rtlCol="0" anchor="ctr"/>
+          <a:lstStyle/>
+          <a:p>
+            <a:pPr algn="ctr"/>
+            <a:r>
+              <a:rPr lang="de-DE" sz="2800" dirty="0"/>
+              <a:t>Power BI</a:t>
+            </a:r>
+          </a:p>
+        </p:txBody>
+      </p:sp>
+      <p:sp>
+        <p:nvSpPr>
+          <p:cNvPr id="21" name="Rechteck 20">
+            <a:extLst>
+              <a:ext uri="{FF2B5EF4-FFF2-40B4-BE49-F238E27FC236}">
+                <a16:creationId xmlns:a16="http://schemas.microsoft.com/office/drawing/2014/main" id="{CDA54A97-E297-4C34-BAF2-7F356A15F049}"/>
+              </a:ext>
+            </a:extLst>
+          </p:cNvPr>
+          <p:cNvSpPr/>
+          <p:nvPr/>
+        </p:nvSpPr>
+        <p:spPr>
+          <a:xfrm>
+            <a:off x="10425111" y="21041077"/>
+            <a:ext cx="2310063" cy="1235242"/>
+          </a:xfrm>
+          <a:prstGeom prst="rect">
+            <a:avLst/>
+          </a:prstGeom>
+        </p:spPr>
+        <p:style>
+          <a:lnRef idx="2">
+            <a:schemeClr val="accent4"/>
+          </a:lnRef>
+          <a:fillRef idx="1">
+            <a:schemeClr val="lt1"/>
+          </a:fillRef>
+          <a:effectRef idx="0">
+            <a:schemeClr val="accent4"/>
+          </a:effectRef>
+          <a:fontRef idx="minor">
+            <a:schemeClr val="dk1"/>
+          </a:fontRef>
+        </p:style>
+        <p:txBody>
+          <a:bodyPr rtlCol="0" anchor="ctr"/>
+          <a:lstStyle/>
+          <a:p>
+            <a:pPr algn="ctr"/>
+            <a:r>
+              <a:rPr lang="de-DE" sz="2800" dirty="0"/>
+              <a:t>Subscriber</a:t>
+            </a:r>
+          </a:p>
+        </p:txBody>
+      </p:sp>
+      <p:sp>
+        <p:nvSpPr>
+          <p:cNvPr id="22" name="Rechteck 21">
+            <a:extLst>
+              <a:ext uri="{FF2B5EF4-FFF2-40B4-BE49-F238E27FC236}">
+                <a16:creationId xmlns:a16="http://schemas.microsoft.com/office/drawing/2014/main" id="{46E74D9A-B5D4-48E7-9F1A-27ED40A3DE3D}"/>
+              </a:ext>
+            </a:extLst>
+          </p:cNvPr>
+          <p:cNvSpPr/>
+          <p:nvPr/>
+        </p:nvSpPr>
+        <p:spPr>
+          <a:xfrm>
+            <a:off x="13885445" y="21041077"/>
+            <a:ext cx="2310063" cy="1235242"/>
+          </a:xfrm>
+          <a:prstGeom prst="rect">
+            <a:avLst/>
+          </a:prstGeom>
+        </p:spPr>
+        <p:style>
+          <a:lnRef idx="2">
+            <a:schemeClr val="accent4"/>
+          </a:lnRef>
+          <a:fillRef idx="1">
+            <a:schemeClr val="lt1"/>
+          </a:fillRef>
+          <a:effectRef idx="0">
+            <a:schemeClr val="accent4"/>
+          </a:effectRef>
+          <a:fontRef idx="minor">
+            <a:schemeClr val="dk1"/>
+          </a:fontRef>
+        </p:style>
+        <p:txBody>
+          <a:bodyPr rtlCol="0" anchor="ctr"/>
+          <a:lstStyle/>
+          <a:p>
+            <a:pPr algn="ctr"/>
+            <a:r>
+              <a:rPr lang="de-DE" sz="2800" dirty="0" err="1"/>
+              <a:t>Blob</a:t>
+            </a:r>
+            <a:r>
+              <a:rPr lang="de-DE" sz="2800" dirty="0"/>
+              <a:t> Storage</a:t>
+            </a:r>
+          </a:p>
+        </p:txBody>
+      </p:sp>
+      <p:sp>
+        <p:nvSpPr>
+          <p:cNvPr id="23" name="Rechteck 22">
+            <a:extLst>
+              <a:ext uri="{FF2B5EF4-FFF2-40B4-BE49-F238E27FC236}">
+                <a16:creationId xmlns:a16="http://schemas.microsoft.com/office/drawing/2014/main" id="{9B0F3128-4D66-44A5-9E86-D8A7222E5024}"/>
+              </a:ext>
+            </a:extLst>
+          </p:cNvPr>
+          <p:cNvSpPr/>
+          <p:nvPr/>
+        </p:nvSpPr>
+        <p:spPr>
+          <a:xfrm>
+            <a:off x="17926051" y="21047714"/>
+            <a:ext cx="2310063" cy="1235242"/>
+          </a:xfrm>
+          <a:prstGeom prst="rect">
+            <a:avLst/>
+          </a:prstGeom>
+        </p:spPr>
+        <p:style>
+          <a:lnRef idx="2">
+            <a:schemeClr val="accent1"/>
+          </a:lnRef>
+          <a:fillRef idx="1">
+            <a:schemeClr val="lt1"/>
+          </a:fillRef>
+          <a:effectRef idx="0">
+            <a:schemeClr val="accent1"/>
+          </a:effectRef>
+          <a:fontRef idx="minor">
+            <a:schemeClr val="dk1"/>
+          </a:fontRef>
+        </p:style>
+        <p:txBody>
+          <a:bodyPr rtlCol="0" anchor="ctr"/>
+          <a:lstStyle/>
+          <a:p>
+            <a:pPr algn="ctr"/>
+            <a:r>
+              <a:rPr lang="de-DE" sz="2800" dirty="0" err="1"/>
+              <a:t>Jupyter</a:t>
+            </a:r>
+            <a:r>
+              <a:rPr lang="de-DE" sz="2800" dirty="0"/>
+              <a:t> Notebook</a:t>
+            </a:r>
+          </a:p>
+        </p:txBody>
+      </p:sp>
+      <p:sp>
+        <p:nvSpPr>
+          <p:cNvPr id="24" name="Ellipse 23">
+            <a:extLst>
+              <a:ext uri="{FF2B5EF4-FFF2-40B4-BE49-F238E27FC236}">
+                <a16:creationId xmlns:a16="http://schemas.microsoft.com/office/drawing/2014/main" id="{7A153293-CD9B-4BC2-B3CD-99EB08E1D75B}"/>
+              </a:ext>
+            </a:extLst>
+          </p:cNvPr>
+          <p:cNvSpPr/>
+          <p:nvPr/>
+        </p:nvSpPr>
+        <p:spPr>
+          <a:xfrm>
+            <a:off x="370974" y="17980718"/>
+            <a:ext cx="2458202" cy="1190449"/>
+          </a:xfrm>
+          <a:prstGeom prst="ellipse">
+            <a:avLst/>
+          </a:prstGeom>
+        </p:spPr>
+        <p:style>
+          <a:lnRef idx="2">
+            <a:schemeClr val="accent2"/>
+          </a:lnRef>
+          <a:fillRef idx="1">
+            <a:schemeClr val="lt1"/>
+          </a:fillRef>
+          <a:effectRef idx="0">
+            <a:schemeClr val="accent2"/>
+          </a:effectRef>
+          <a:fontRef idx="minor">
+            <a:schemeClr val="dk1"/>
+          </a:fontRef>
+        </p:style>
+        <p:txBody>
+          <a:bodyPr rtlCol="0" anchor="ctr"/>
+          <a:lstStyle/>
+          <a:p>
+            <a:pPr algn="ctr"/>
+            <a:r>
+              <a:rPr lang="de-DE" sz="2800" dirty="0"/>
+              <a:t>Ultraschall-sensor</a:t>
+            </a:r>
+          </a:p>
+        </p:txBody>
+      </p:sp>
+      <p:sp>
+        <p:nvSpPr>
+          <p:cNvPr id="25" name="Ellipse 24">
+            <a:extLst>
+              <a:ext uri="{FF2B5EF4-FFF2-40B4-BE49-F238E27FC236}">
+                <a16:creationId xmlns:a16="http://schemas.microsoft.com/office/drawing/2014/main" id="{C5DA75FF-5A07-443B-B952-9181BFECF4F7}"/>
+              </a:ext>
+            </a:extLst>
+          </p:cNvPr>
+          <p:cNvSpPr/>
+          <p:nvPr/>
+        </p:nvSpPr>
+        <p:spPr>
+          <a:xfrm>
+            <a:off x="370974" y="19689199"/>
+            <a:ext cx="2458202" cy="1190449"/>
+          </a:xfrm>
+          <a:prstGeom prst="ellipse">
+            <a:avLst/>
+          </a:prstGeom>
+        </p:spPr>
+        <p:style>
+          <a:lnRef idx="2">
+            <a:schemeClr val="accent2"/>
+          </a:lnRef>
+          <a:fillRef idx="1">
+            <a:schemeClr val="lt1"/>
+          </a:fillRef>
+          <a:effectRef idx="0">
+            <a:schemeClr val="accent2"/>
+          </a:effectRef>
+          <a:fontRef idx="minor">
+            <a:schemeClr val="dk1"/>
+          </a:fontRef>
+        </p:style>
+        <p:txBody>
+          <a:bodyPr rtlCol="0" anchor="ctr"/>
+          <a:lstStyle/>
+          <a:p>
+            <a:pPr algn="ctr"/>
+            <a:r>
+              <a:rPr lang="de-DE" sz="2800" dirty="0" err="1"/>
+              <a:t>Photo</a:t>
+            </a:r>
+            <a:r>
+              <a:rPr lang="de-DE" sz="2800" dirty="0"/>
+              <a:t>-sensor</a:t>
+            </a:r>
+          </a:p>
+        </p:txBody>
+      </p:sp>
+      <p:sp>
+        <p:nvSpPr>
+          <p:cNvPr id="26" name="Ellipse 25">
+            <a:extLst>
+              <a:ext uri="{FF2B5EF4-FFF2-40B4-BE49-F238E27FC236}">
+                <a16:creationId xmlns:a16="http://schemas.microsoft.com/office/drawing/2014/main" id="{14AB4810-9EDA-4A66-92DA-4A05DD524280}"/>
+              </a:ext>
+            </a:extLst>
+          </p:cNvPr>
+          <p:cNvSpPr/>
+          <p:nvPr/>
+        </p:nvSpPr>
+        <p:spPr>
+          <a:xfrm>
+            <a:off x="370974" y="21388133"/>
+            <a:ext cx="2458202" cy="1190449"/>
+          </a:xfrm>
+          <a:prstGeom prst="ellipse">
+            <a:avLst/>
+          </a:prstGeom>
+        </p:spPr>
+        <p:style>
+          <a:lnRef idx="2">
+            <a:schemeClr val="accent2"/>
+          </a:lnRef>
+          <a:fillRef idx="1">
+            <a:schemeClr val="lt1"/>
+          </a:fillRef>
+          <a:effectRef idx="0">
+            <a:schemeClr val="accent2"/>
+          </a:effectRef>
+          <a:fontRef idx="minor">
+            <a:schemeClr val="dk1"/>
+          </a:fontRef>
+        </p:style>
+        <p:txBody>
+          <a:bodyPr rtlCol="0" anchor="ctr"/>
+          <a:lstStyle/>
+          <a:p>
+            <a:pPr algn="ctr"/>
+            <a:r>
+              <a:rPr lang="de-DE" sz="2800" dirty="0"/>
+              <a:t>Gewichts-sensor</a:t>
+            </a:r>
+          </a:p>
+        </p:txBody>
+      </p:sp>
+      <p:sp>
+        <p:nvSpPr>
+          <p:cNvPr id="27" name="Ellipse 26">
+            <a:extLst>
+              <a:ext uri="{FF2B5EF4-FFF2-40B4-BE49-F238E27FC236}">
+                <a16:creationId xmlns:a16="http://schemas.microsoft.com/office/drawing/2014/main" id="{23A6E5D4-A175-405B-BE74-E0C572646695}"/>
+              </a:ext>
+            </a:extLst>
+          </p:cNvPr>
+          <p:cNvSpPr/>
+          <p:nvPr/>
+        </p:nvSpPr>
+        <p:spPr>
+          <a:xfrm>
+            <a:off x="3443536" y="21431038"/>
+            <a:ext cx="2458202" cy="1190449"/>
+          </a:xfrm>
+          <a:prstGeom prst="ellipse">
+            <a:avLst/>
+          </a:prstGeom>
+        </p:spPr>
+        <p:style>
+          <a:lnRef idx="2">
+            <a:schemeClr val="accent2"/>
+          </a:lnRef>
+          <a:fillRef idx="1">
+            <a:schemeClr val="lt1"/>
+          </a:fillRef>
+          <a:effectRef idx="0">
+            <a:schemeClr val="accent2"/>
+          </a:effectRef>
+          <a:fontRef idx="minor">
+            <a:schemeClr val="dk1"/>
+          </a:fontRef>
+        </p:style>
+        <p:txBody>
+          <a:bodyPr rtlCol="0" anchor="ctr"/>
+          <a:lstStyle/>
+          <a:p>
+            <a:pPr algn="ctr"/>
+            <a:r>
+              <a:rPr lang="de-DE" sz="2800" dirty="0"/>
+              <a:t>Kontroll- LED</a:t>
+            </a:r>
+          </a:p>
+        </p:txBody>
+      </p:sp>
+      <p:cxnSp>
+        <p:nvCxnSpPr>
+          <p:cNvPr id="28" name="Gerade Verbindung mit Pfeil 27">
+            <a:extLst>
+              <a:ext uri="{FF2B5EF4-FFF2-40B4-BE49-F238E27FC236}">
+                <a16:creationId xmlns:a16="http://schemas.microsoft.com/office/drawing/2014/main" id="{057649DA-9191-4329-867E-9ABE14120979}"/>
+              </a:ext>
+            </a:extLst>
+          </p:cNvPr>
+          <p:cNvCxnSpPr>
+            <a:cxnSpLocks/>
+            <a:stCxn id="24" idx="6"/>
+            <a:endCxn id="15" idx="1"/>
+          </p:cNvCxnSpPr>
+          <p:nvPr/>
+        </p:nvCxnSpPr>
+        <p:spPr>
+          <a:xfrm>
+            <a:off x="2829176" y="18575943"/>
+            <a:ext cx="684044" cy="1642119"/>
+          </a:xfrm>
+          <a:prstGeom prst="straightConnector1">
+            <a:avLst/>
+          </a:prstGeom>
+          <a:ln w="38100">
+            <a:solidFill>
+              <a:schemeClr val="tx1"/>
+            </a:solidFill>
+            <a:tailEnd type="triangle"/>
+          </a:ln>
+        </p:spPr>
+        <p:style>
+          <a:lnRef idx="2">
+            <a:schemeClr val="accent2"/>
+          </a:lnRef>
+          <a:fillRef idx="1">
+            <a:schemeClr val="lt1"/>
+          </a:fillRef>
+          <a:effectRef idx="0">
+            <a:schemeClr val="accent2"/>
+          </a:effectRef>
+          <a:fontRef idx="minor">
+            <a:schemeClr val="dk1"/>
+          </a:fontRef>
+        </p:style>
+      </p:cxnSp>
+      <p:cxnSp>
+        <p:nvCxnSpPr>
+          <p:cNvPr id="29" name="Gerade Verbindung mit Pfeil 28">
+            <a:extLst>
+              <a:ext uri="{FF2B5EF4-FFF2-40B4-BE49-F238E27FC236}">
+                <a16:creationId xmlns:a16="http://schemas.microsoft.com/office/drawing/2014/main" id="{C5869DD2-97A3-43D5-9FE3-F00AEBD29F81}"/>
+              </a:ext>
+            </a:extLst>
+          </p:cNvPr>
+          <p:cNvCxnSpPr>
+            <a:cxnSpLocks/>
+            <a:stCxn id="25" idx="6"/>
+            <a:endCxn id="15" idx="1"/>
+          </p:cNvCxnSpPr>
+          <p:nvPr/>
+        </p:nvCxnSpPr>
+        <p:spPr>
+          <a:xfrm flipV="1">
+            <a:off x="2829176" y="20218062"/>
+            <a:ext cx="684044" cy="66362"/>
+          </a:xfrm>
+          <a:prstGeom prst="straightConnector1">
+            <a:avLst/>
+          </a:prstGeom>
+          <a:ln w="38100">
+            <a:solidFill>
+              <a:schemeClr val="tx1"/>
+            </a:solidFill>
+            <a:tailEnd type="triangle"/>
+          </a:ln>
+        </p:spPr>
+        <p:style>
+          <a:lnRef idx="2">
+            <a:schemeClr val="accent2"/>
+          </a:lnRef>
+          <a:fillRef idx="1">
+            <a:schemeClr val="lt1"/>
+          </a:fillRef>
+          <a:effectRef idx="0">
+            <a:schemeClr val="accent2"/>
+          </a:effectRef>
+          <a:fontRef idx="minor">
+            <a:schemeClr val="dk1"/>
+          </a:fontRef>
+        </p:style>
+      </p:cxnSp>
+      <p:cxnSp>
+        <p:nvCxnSpPr>
+          <p:cNvPr id="30" name="Gerade Verbindung mit Pfeil 29">
+            <a:extLst>
+              <a:ext uri="{FF2B5EF4-FFF2-40B4-BE49-F238E27FC236}">
+                <a16:creationId xmlns:a16="http://schemas.microsoft.com/office/drawing/2014/main" id="{45456ADE-3928-410D-82BA-D1D1399075F8}"/>
+              </a:ext>
+            </a:extLst>
+          </p:cNvPr>
+          <p:cNvCxnSpPr>
+            <a:cxnSpLocks/>
+            <a:stCxn id="26" idx="6"/>
+            <a:endCxn id="15" idx="1"/>
+          </p:cNvCxnSpPr>
+          <p:nvPr/>
+        </p:nvCxnSpPr>
+        <p:spPr>
+          <a:xfrm flipV="1">
+            <a:off x="2829176" y="20218062"/>
+            <a:ext cx="684044" cy="1765296"/>
+          </a:xfrm>
+          <a:prstGeom prst="straightConnector1">
+            <a:avLst/>
+          </a:prstGeom>
+          <a:ln w="38100">
+            <a:solidFill>
+              <a:schemeClr val="tx1"/>
+            </a:solidFill>
+            <a:tailEnd type="triangle"/>
+          </a:ln>
+        </p:spPr>
+        <p:style>
+          <a:lnRef idx="2">
+            <a:schemeClr val="accent2"/>
+          </a:lnRef>
+          <a:fillRef idx="1">
+            <a:schemeClr val="lt1"/>
+          </a:fillRef>
+          <a:effectRef idx="0">
+            <a:schemeClr val="accent2"/>
+          </a:effectRef>
+          <a:fontRef idx="minor">
+            <a:schemeClr val="dk1"/>
+          </a:fontRef>
+        </p:style>
+      </p:cxnSp>
+      <p:cxnSp>
+        <p:nvCxnSpPr>
+          <p:cNvPr id="31" name="Gerade Verbindung mit Pfeil 30">
+            <a:extLst>
+              <a:ext uri="{FF2B5EF4-FFF2-40B4-BE49-F238E27FC236}">
+                <a16:creationId xmlns:a16="http://schemas.microsoft.com/office/drawing/2014/main" id="{E473E008-FF9F-4901-9A82-92A74C893F07}"/>
+              </a:ext>
+            </a:extLst>
+          </p:cNvPr>
+          <p:cNvCxnSpPr>
+            <a:cxnSpLocks/>
+            <a:stCxn id="15" idx="2"/>
+            <a:endCxn id="27" idx="0"/>
+          </p:cNvCxnSpPr>
+          <p:nvPr/>
+        </p:nvCxnSpPr>
+        <p:spPr>
+          <a:xfrm>
+            <a:off x="4668252" y="20835683"/>
+            <a:ext cx="4385" cy="595355"/>
+          </a:xfrm>
+          <a:prstGeom prst="straightConnector1">
+            <a:avLst/>
+          </a:prstGeom>
+          <a:ln w="38100">
+            <a:solidFill>
+              <a:schemeClr val="tx1"/>
+            </a:solidFill>
+            <a:tailEnd type="triangle"/>
+          </a:ln>
+        </p:spPr>
+        <p:style>
+          <a:lnRef idx="2">
+            <a:schemeClr val="accent2"/>
+          </a:lnRef>
+          <a:fillRef idx="1">
+            <a:schemeClr val="lt1"/>
+          </a:fillRef>
+          <a:effectRef idx="0">
+            <a:schemeClr val="accent2"/>
+          </a:effectRef>
+          <a:fontRef idx="minor">
+            <a:schemeClr val="dk1"/>
+          </a:fontRef>
+        </p:style>
+      </p:cxnSp>
+      <p:cxnSp>
+        <p:nvCxnSpPr>
+          <p:cNvPr id="32" name="Gerade Verbindung mit Pfeil 31">
+            <a:extLst>
+              <a:ext uri="{FF2B5EF4-FFF2-40B4-BE49-F238E27FC236}">
+                <a16:creationId xmlns:a16="http://schemas.microsoft.com/office/drawing/2014/main" id="{8183C957-CFCC-461A-805D-134FD3D779D6}"/>
+              </a:ext>
+            </a:extLst>
+          </p:cNvPr>
+          <p:cNvCxnSpPr>
+            <a:cxnSpLocks/>
+            <a:endCxn id="19" idx="1"/>
+          </p:cNvCxnSpPr>
+          <p:nvPr/>
+        </p:nvCxnSpPr>
+        <p:spPr>
+          <a:xfrm flipV="1">
+            <a:off x="9111916" y="19108675"/>
+            <a:ext cx="1313195" cy="1109388"/>
+          </a:xfrm>
+          <a:prstGeom prst="straightConnector1">
+            <a:avLst/>
+          </a:prstGeom>
+          <a:ln w="38100">
+            <a:solidFill>
+              <a:schemeClr val="tx1"/>
+            </a:solidFill>
+            <a:tailEnd type="triangle"/>
+          </a:ln>
+        </p:spPr>
+        <p:style>
+          <a:lnRef idx="1">
+            <a:schemeClr val="accent1"/>
+          </a:lnRef>
+          <a:fillRef idx="0">
+            <a:schemeClr val="accent1"/>
+          </a:fillRef>
+          <a:effectRef idx="0">
+            <a:schemeClr val="accent1"/>
+          </a:effectRef>
+          <a:fontRef idx="minor">
+            <a:schemeClr val="tx1"/>
+          </a:fontRef>
+        </p:style>
+      </p:cxnSp>
+      <p:cxnSp>
+        <p:nvCxnSpPr>
+          <p:cNvPr id="33" name="Gerade Verbindung mit Pfeil 32">
+            <a:extLst>
+              <a:ext uri="{FF2B5EF4-FFF2-40B4-BE49-F238E27FC236}">
+                <a16:creationId xmlns:a16="http://schemas.microsoft.com/office/drawing/2014/main" id="{FC3A7039-264A-4C52-B997-886E47E90FFF}"/>
+              </a:ext>
+            </a:extLst>
+          </p:cNvPr>
+          <p:cNvCxnSpPr>
+            <a:cxnSpLocks/>
+            <a:stCxn id="18" idx="3"/>
+            <a:endCxn id="21" idx="1"/>
+          </p:cNvCxnSpPr>
+          <p:nvPr/>
+        </p:nvCxnSpPr>
+        <p:spPr>
+          <a:xfrm>
+            <a:off x="9111916" y="20218062"/>
+            <a:ext cx="1313195" cy="1440636"/>
+          </a:xfrm>
+          <a:prstGeom prst="straightConnector1">
+            <a:avLst/>
+          </a:prstGeom>
+          <a:ln w="38100">
+            <a:solidFill>
+              <a:schemeClr val="tx1"/>
+            </a:solidFill>
+            <a:tailEnd type="triangle"/>
+          </a:ln>
+        </p:spPr>
+        <p:style>
+          <a:lnRef idx="1">
+            <a:schemeClr val="accent1"/>
+          </a:lnRef>
+          <a:fillRef idx="0">
+            <a:schemeClr val="accent1"/>
+          </a:fillRef>
+          <a:effectRef idx="0">
+            <a:schemeClr val="accent1"/>
+          </a:effectRef>
+          <a:fontRef idx="minor">
+            <a:schemeClr val="tx1"/>
+          </a:fontRef>
+        </p:style>
+      </p:cxnSp>
+      <p:cxnSp>
+        <p:nvCxnSpPr>
+          <p:cNvPr id="34" name="Gerade Verbindung mit Pfeil 33">
+            <a:extLst>
+              <a:ext uri="{FF2B5EF4-FFF2-40B4-BE49-F238E27FC236}">
+                <a16:creationId xmlns:a16="http://schemas.microsoft.com/office/drawing/2014/main" id="{375691C6-E6C2-4D39-9E06-1AF23ACD031A}"/>
+              </a:ext>
+            </a:extLst>
+          </p:cNvPr>
+          <p:cNvCxnSpPr>
+            <a:cxnSpLocks/>
+            <a:stCxn id="19" idx="3"/>
+            <a:endCxn id="20" idx="1"/>
+          </p:cNvCxnSpPr>
+          <p:nvPr/>
+        </p:nvCxnSpPr>
+        <p:spPr>
+          <a:xfrm>
+            <a:off x="12735174" y="19108675"/>
+            <a:ext cx="5133726" cy="0"/>
+          </a:xfrm>
+          <a:prstGeom prst="straightConnector1">
+            <a:avLst/>
+          </a:prstGeom>
+          <a:ln w="38100">
+            <a:solidFill>
+              <a:schemeClr val="tx1"/>
+            </a:solidFill>
+            <a:tailEnd type="triangle"/>
+          </a:ln>
+        </p:spPr>
+        <p:style>
+          <a:lnRef idx="1">
+            <a:schemeClr val="accent1"/>
+          </a:lnRef>
+          <a:fillRef idx="0">
+            <a:schemeClr val="accent1"/>
+          </a:fillRef>
+          <a:effectRef idx="0">
+            <a:schemeClr val="accent1"/>
+          </a:effectRef>
+          <a:fontRef idx="minor">
+            <a:schemeClr val="tx1"/>
+          </a:fontRef>
+        </p:style>
+      </p:cxnSp>
+      <p:cxnSp>
+        <p:nvCxnSpPr>
+          <p:cNvPr id="35" name="Gerade Verbindung mit Pfeil 34">
+            <a:extLst>
+              <a:ext uri="{FF2B5EF4-FFF2-40B4-BE49-F238E27FC236}">
+                <a16:creationId xmlns:a16="http://schemas.microsoft.com/office/drawing/2014/main" id="{16989937-99ED-49D4-8B1A-9C5C164F719C}"/>
+              </a:ext>
+            </a:extLst>
+          </p:cNvPr>
+          <p:cNvCxnSpPr>
+            <a:cxnSpLocks/>
+            <a:stCxn id="21" idx="3"/>
+            <a:endCxn id="22" idx="1"/>
+          </p:cNvCxnSpPr>
+          <p:nvPr/>
+        </p:nvCxnSpPr>
+        <p:spPr>
+          <a:xfrm>
+            <a:off x="12735174" y="21658698"/>
+            <a:ext cx="1150271" cy="0"/>
+          </a:xfrm>
+          <a:prstGeom prst="straightConnector1">
+            <a:avLst/>
+          </a:prstGeom>
+          <a:ln w="38100">
+            <a:solidFill>
+              <a:schemeClr val="tx1"/>
+            </a:solidFill>
+            <a:tailEnd type="triangle"/>
+          </a:ln>
+        </p:spPr>
+        <p:style>
+          <a:lnRef idx="1">
+            <a:schemeClr val="accent1"/>
+          </a:lnRef>
+          <a:fillRef idx="0">
+            <a:schemeClr val="accent1"/>
+          </a:fillRef>
+          <a:effectRef idx="0">
+            <a:schemeClr val="accent1"/>
+          </a:effectRef>
+          <a:fontRef idx="minor">
+            <a:schemeClr val="tx1"/>
+          </a:fontRef>
+        </p:style>
+      </p:cxnSp>
+      <p:cxnSp>
+        <p:nvCxnSpPr>
+          <p:cNvPr id="36" name="Gerade Verbindung mit Pfeil 35">
+            <a:extLst>
+              <a:ext uri="{FF2B5EF4-FFF2-40B4-BE49-F238E27FC236}">
+                <a16:creationId xmlns:a16="http://schemas.microsoft.com/office/drawing/2014/main" id="{A2F8C525-009D-434D-83F1-DC4C17A15EA6}"/>
+              </a:ext>
+            </a:extLst>
+          </p:cNvPr>
+          <p:cNvCxnSpPr>
+            <a:cxnSpLocks/>
+            <a:stCxn id="23" idx="1"/>
+            <a:endCxn id="22" idx="3"/>
+          </p:cNvCxnSpPr>
+          <p:nvPr/>
+        </p:nvCxnSpPr>
+        <p:spPr>
+          <a:xfrm flipH="1" flipV="1">
+            <a:off x="16195508" y="21658698"/>
+            <a:ext cx="1730543" cy="6637"/>
+          </a:xfrm>
+          <a:prstGeom prst="straightConnector1">
+            <a:avLst/>
+          </a:prstGeom>
+          <a:ln w="38100">
+            <a:solidFill>
+              <a:schemeClr val="tx1">
+                <a:alpha val="73000"/>
+              </a:schemeClr>
+            </a:solidFill>
+            <a:headEnd type="triangle"/>
+            <a:tailEnd type="none"/>
+          </a:ln>
+        </p:spPr>
+        <p:style>
+          <a:lnRef idx="1">
+            <a:schemeClr val="accent1"/>
+          </a:lnRef>
+          <a:fillRef idx="0">
+            <a:schemeClr val="accent1"/>
+          </a:fillRef>
+          <a:effectRef idx="0">
+            <a:schemeClr val="accent1"/>
+          </a:effectRef>
+          <a:fontRef idx="minor">
+            <a:schemeClr val="tx1"/>
+          </a:fontRef>
+        </p:style>
+      </p:cxnSp>
+      <p:sp>
+        <p:nvSpPr>
+          <p:cNvPr id="37" name="Rechteck 36">
+            <a:extLst>
+              <a:ext uri="{FF2B5EF4-FFF2-40B4-BE49-F238E27FC236}">
+                <a16:creationId xmlns:a16="http://schemas.microsoft.com/office/drawing/2014/main" id="{BF6C8C5A-43CE-4C6D-AEAF-CA36A5BF3703}"/>
+              </a:ext>
+            </a:extLst>
+          </p:cNvPr>
+          <p:cNvSpPr/>
+          <p:nvPr/>
+        </p:nvSpPr>
+        <p:spPr>
+          <a:xfrm>
+            <a:off x="2388531" y="16911816"/>
+            <a:ext cx="1670650" cy="769441"/>
+          </a:xfrm>
+          <a:prstGeom prst="rect">
+            <a:avLst/>
+          </a:prstGeom>
+          <a:noFill/>
+        </p:spPr>
+        <p:txBody>
+          <a:bodyPr wrap="square" lIns="91440" tIns="45720" rIns="91440" bIns="45720">
+            <a:spAutoFit/>
+          </a:bodyPr>
+          <a:lstStyle/>
+          <a:p>
+            <a:pPr algn="ctr"/>
+            <a:r>
+              <a:rPr lang="de-DE" sz="4400" b="0" cap="none" spc="0" dirty="0">
+                <a:ln w="0"/>
+                <a:solidFill>
+                  <a:schemeClr val="accent2"/>
+                </a:solidFill>
+                <a:effectLst>
+                  <a:outerShdw blurRad="38100" dist="19050" dir="2700000" algn="tl" rotWithShape="0">
+                    <a:schemeClr val="dk1">
+                      <a:alpha val="40000"/>
+                    </a:schemeClr>
+                  </a:outerShdw>
+                </a:effectLst>
+              </a:rPr>
+              <a:t>Things</a:t>
+            </a:r>
+            <a:endParaRPr lang="de-DE" sz="5400" b="0" cap="none" spc="0" dirty="0">
+              <a:ln w="0"/>
+              <a:solidFill>
+                <a:schemeClr val="accent2"/>
+              </a:solidFill>
+              <a:effectLst>
+                <a:outerShdw blurRad="38100" dist="19050" dir="2700000" algn="tl" rotWithShape="0">
+                  <a:schemeClr val="dk1">
+                    <a:alpha val="40000"/>
+                  </a:schemeClr>
+                </a:outerShdw>
+              </a:effectLst>
+            </a:endParaRPr>
+          </a:p>
+        </p:txBody>
+      </p:sp>
+      <p:sp>
+        <p:nvSpPr>
+          <p:cNvPr id="38" name="Rechteck 37">
+            <a:extLst>
+              <a:ext uri="{FF2B5EF4-FFF2-40B4-BE49-F238E27FC236}">
+                <a16:creationId xmlns:a16="http://schemas.microsoft.com/office/drawing/2014/main" id="{1B3029CB-3837-4CC4-B6A6-1F2081BE3C0C}"/>
+              </a:ext>
+            </a:extLst>
+          </p:cNvPr>
+          <p:cNvSpPr/>
+          <p:nvPr/>
+        </p:nvSpPr>
+        <p:spPr>
+          <a:xfrm>
+            <a:off x="6369370" y="16911816"/>
+            <a:ext cx="3044424" cy="769441"/>
+          </a:xfrm>
+          <a:prstGeom prst="rect">
+            <a:avLst/>
+          </a:prstGeom>
+          <a:noFill/>
+        </p:spPr>
+        <p:txBody>
+          <a:bodyPr wrap="square" lIns="91440" tIns="45720" rIns="91440" bIns="45720">
+            <a:spAutoFit/>
+          </a:bodyPr>
+          <a:lstStyle/>
+          <a:p>
+            <a:pPr algn="ctr"/>
+            <a:r>
+              <a:rPr lang="de-DE" sz="4400" b="0" cap="none" spc="0" dirty="0">
+                <a:ln w="0"/>
+                <a:solidFill>
+                  <a:schemeClr val="accent6"/>
+                </a:solidFill>
+                <a:effectLst>
+                  <a:outerShdw blurRad="38100" dist="19050" dir="2700000" algn="tl" rotWithShape="0">
+                    <a:schemeClr val="dk1">
+                      <a:alpha val="40000"/>
+                    </a:schemeClr>
+                  </a:outerShdw>
+                </a:effectLst>
+              </a:rPr>
+              <a:t>Connectivity</a:t>
+            </a:r>
+            <a:endParaRPr lang="de-DE" sz="5400" b="0" cap="none" spc="0" dirty="0">
+              <a:ln w="0"/>
+              <a:solidFill>
+                <a:schemeClr val="accent6"/>
+              </a:solidFill>
+              <a:effectLst>
+                <a:outerShdw blurRad="38100" dist="19050" dir="2700000" algn="tl" rotWithShape="0">
+                  <a:schemeClr val="dk1">
+                    <a:alpha val="40000"/>
+                  </a:schemeClr>
+                </a:outerShdw>
+              </a:effectLst>
+            </a:endParaRPr>
+          </a:p>
+        </p:txBody>
+      </p:sp>
+      <p:sp>
+        <p:nvSpPr>
+          <p:cNvPr id="39" name="Rechteck 38">
+            <a:extLst>
+              <a:ext uri="{FF2B5EF4-FFF2-40B4-BE49-F238E27FC236}">
+                <a16:creationId xmlns:a16="http://schemas.microsoft.com/office/drawing/2014/main" id="{DABBE1C1-BDFD-4A79-864E-4B96994F43D1}"/>
+              </a:ext>
+            </a:extLst>
+          </p:cNvPr>
+          <p:cNvSpPr/>
+          <p:nvPr/>
+        </p:nvSpPr>
+        <p:spPr>
+          <a:xfrm>
+            <a:off x="12684625" y="16957949"/>
+            <a:ext cx="1251368" cy="769441"/>
+          </a:xfrm>
+          <a:prstGeom prst="rect">
+            <a:avLst/>
+          </a:prstGeom>
+          <a:noFill/>
+        </p:spPr>
+        <p:txBody>
+          <a:bodyPr wrap="square" lIns="91440" tIns="45720" rIns="91440" bIns="45720">
+            <a:spAutoFit/>
+          </a:bodyPr>
+          <a:lstStyle/>
+          <a:p>
+            <a:pPr algn="ctr"/>
+            <a:r>
+              <a:rPr lang="de-DE" sz="4400" b="0" cap="none" spc="0" dirty="0">
+                <a:ln w="0"/>
+                <a:solidFill>
+                  <a:schemeClr val="accent4"/>
+                </a:solidFill>
+                <a:effectLst>
+                  <a:outerShdw blurRad="38100" dist="19050" dir="2700000" algn="tl" rotWithShape="0">
+                    <a:schemeClr val="dk1">
+                      <a:alpha val="40000"/>
+                    </a:schemeClr>
+                  </a:outerShdw>
+                </a:effectLst>
+              </a:rPr>
+              <a:t>Data</a:t>
+            </a:r>
+          </a:p>
+        </p:txBody>
+      </p:sp>
+      <p:sp>
+        <p:nvSpPr>
+          <p:cNvPr id="40" name="Rechteck 39">
+            <a:extLst>
+              <a:ext uri="{FF2B5EF4-FFF2-40B4-BE49-F238E27FC236}">
+                <a16:creationId xmlns:a16="http://schemas.microsoft.com/office/drawing/2014/main" id="{0DDADEFC-4D28-446F-8C0E-AD2C5E7EB14B}"/>
+              </a:ext>
+            </a:extLst>
+          </p:cNvPr>
+          <p:cNvSpPr/>
+          <p:nvPr/>
+        </p:nvSpPr>
+        <p:spPr>
+          <a:xfrm>
+            <a:off x="18019402" y="16957949"/>
+            <a:ext cx="2245679" cy="769441"/>
+          </a:xfrm>
+          <a:prstGeom prst="rect">
+            <a:avLst/>
+          </a:prstGeom>
+          <a:noFill/>
+        </p:spPr>
+        <p:txBody>
+          <a:bodyPr wrap="square" lIns="91440" tIns="45720" rIns="91440" bIns="45720">
+            <a:spAutoFit/>
+          </a:bodyPr>
+          <a:lstStyle/>
+          <a:p>
+            <a:pPr algn="ctr"/>
+            <a:r>
+              <a:rPr lang="de-DE" sz="4400" b="0" cap="none" spc="0" dirty="0">
+                <a:ln w="0"/>
+                <a:solidFill>
+                  <a:schemeClr val="tx2"/>
+                </a:solidFill>
+                <a:effectLst>
+                  <a:outerShdw blurRad="38100" dist="19050" dir="2700000" algn="tl" rotWithShape="0">
+                    <a:schemeClr val="dk1">
+                      <a:alpha val="40000"/>
+                    </a:schemeClr>
+                  </a:outerShdw>
+                </a:effectLst>
+              </a:rPr>
+              <a:t>Analytics</a:t>
+            </a:r>
+          </a:p>
+        </p:txBody>
+      </p:sp>
+      <p:sp>
+        <p:nvSpPr>
+          <p:cNvPr id="41" name="Textfeld 40">
+            <a:extLst>
+              <a:ext uri="{FF2B5EF4-FFF2-40B4-BE49-F238E27FC236}">
+                <a16:creationId xmlns:a16="http://schemas.microsoft.com/office/drawing/2014/main" id="{B8368469-34EA-4311-B97B-0625F37A1445}"/>
+              </a:ext>
+            </a:extLst>
+          </p:cNvPr>
+          <p:cNvSpPr txBox="1"/>
+          <p:nvPr/>
+        </p:nvSpPr>
+        <p:spPr>
+          <a:xfrm>
+            <a:off x="1438648" y="23624481"/>
+            <a:ext cx="8704843" cy="3662541"/>
+          </a:xfrm>
+          <a:prstGeom prst="rect">
+            <a:avLst/>
+          </a:prstGeom>
+          <a:noFill/>
+        </p:spPr>
+        <p:txBody>
+          <a:bodyPr wrap="square" numCol="1" rtlCol="0">
+            <a:spAutoFit/>
+          </a:bodyPr>
+          <a:lstStyle/>
+          <a:p>
+            <a:r>
+              <a:rPr lang="de-DE" sz="3600" b="1" dirty="0">
+                <a:solidFill>
+                  <a:srgbClr val="0078D4"/>
+                </a:solidFill>
+              </a:rPr>
+              <a:t>Analysemöglichkeiten:</a:t>
+            </a:r>
+          </a:p>
+          <a:p>
+            <a:endParaRPr lang="de-DE" sz="2800" dirty="0"/>
+          </a:p>
+          <a:p>
+            <a:pPr marL="285750" indent="-285750">
+              <a:buFontTx/>
+              <a:buChar char="-"/>
+            </a:pPr>
+            <a:r>
+              <a:rPr lang="de-DE" sz="2800" dirty="0"/>
+              <a:t>Wann werden Müllcontainer am häufigsten benutzt?</a:t>
+            </a:r>
+          </a:p>
+          <a:p>
+            <a:pPr marL="285750" indent="-285750">
+              <a:buFontTx/>
+              <a:buChar char="-"/>
+            </a:pPr>
+            <a:r>
+              <a:rPr lang="de-DE" sz="2800" dirty="0"/>
+              <a:t>Wann muss spätestens geleert werden?</a:t>
+            </a:r>
+          </a:p>
+          <a:p>
+            <a:pPr marL="285750" indent="-285750">
+              <a:buFontTx/>
+              <a:buChar char="-"/>
+            </a:pPr>
+            <a:r>
+              <a:rPr lang="de-DE" sz="2800" dirty="0"/>
+              <a:t>Welche ist die optimale Route für die Leerung</a:t>
+            </a:r>
+          </a:p>
+          <a:p>
+            <a:pPr marL="285750" indent="-285750">
+              <a:buFontTx/>
+              <a:buChar char="-"/>
+            </a:pPr>
+            <a:r>
+              <a:rPr lang="de-DE" sz="2800" dirty="0"/>
+              <a:t>Ist die Größe der Tonnen für die Einwohner ausreichend?</a:t>
+            </a:r>
+          </a:p>
+          <a:p>
+            <a:pPr marL="285750" indent="-285750">
+              <a:buFontTx/>
+              <a:buChar char="-"/>
+            </a:pPr>
+            <a:r>
+              <a:rPr lang="de-DE" sz="2800" dirty="0"/>
+              <a:t>Wie kann Verschmutzung am effektivsten verhindert werden?</a:t>
+            </a:r>
+          </a:p>
+        </p:txBody>
+      </p:sp>
+      <p:sp>
+        <p:nvSpPr>
+          <p:cNvPr id="42" name="Textfeld 41">
+            <a:extLst>
+              <a:ext uri="{FF2B5EF4-FFF2-40B4-BE49-F238E27FC236}">
+                <a16:creationId xmlns:a16="http://schemas.microsoft.com/office/drawing/2014/main" id="{E90CE1AC-7712-45DD-9B97-FE7A977B8300}"/>
+              </a:ext>
+            </a:extLst>
+          </p:cNvPr>
+          <p:cNvSpPr txBox="1"/>
+          <p:nvPr/>
+        </p:nvSpPr>
+        <p:spPr>
+          <a:xfrm>
+            <a:off x="11219586" y="23555815"/>
+            <a:ext cx="9483142" cy="3231654"/>
+          </a:xfrm>
+          <a:prstGeom prst="rect">
+            <a:avLst/>
+          </a:prstGeom>
+          <a:noFill/>
+        </p:spPr>
+        <p:txBody>
+          <a:bodyPr wrap="square" rtlCol="0">
+            <a:spAutoFit/>
+          </a:bodyPr>
+          <a:lstStyle/>
+          <a:p>
+            <a:r>
+              <a:rPr lang="de-DE" sz="3600" b="1" dirty="0">
+                <a:solidFill>
+                  <a:srgbClr val="0078D4"/>
+                </a:solidFill>
+              </a:rPr>
+              <a:t>Weiterentwicklung:</a:t>
+            </a:r>
+          </a:p>
+          <a:p>
+            <a:endParaRPr lang="de-DE" sz="2800" dirty="0"/>
+          </a:p>
+          <a:p>
+            <a:pPr marL="285750" indent="-285750">
+              <a:buFontTx/>
+              <a:buChar char="-"/>
+            </a:pPr>
+            <a:r>
+              <a:rPr lang="de-DE" sz="2800" dirty="0"/>
+              <a:t>Biotonne mit Gassensor: Alarmierung bei zu hoher Konzentration</a:t>
+            </a:r>
+          </a:p>
+          <a:p>
+            <a:pPr marL="285750" indent="-285750">
+              <a:buFontTx/>
+              <a:buChar char="-"/>
+            </a:pPr>
+            <a:r>
+              <a:rPr lang="de-DE" sz="2800" dirty="0"/>
+              <a:t>Müllcontainer mit Rauchsensor: Verhinderung von Bränden</a:t>
+            </a:r>
+          </a:p>
+          <a:p>
+            <a:pPr marL="285750" indent="-285750">
+              <a:buFontTx/>
+              <a:buChar char="-"/>
+            </a:pPr>
+            <a:r>
+              <a:rPr lang="de-DE" sz="2800" dirty="0"/>
+              <a:t>Lagerboxen mit Benachrichtigung bei neuem Inhalt </a:t>
+            </a:r>
+          </a:p>
+          <a:p>
+            <a:endParaRPr lang="de-DE" sz="2800" dirty="0"/>
+          </a:p>
+        </p:txBody>
+      </p:sp>
+      <p:sp>
+        <p:nvSpPr>
+          <p:cNvPr id="2" name="Textfeld 1">
+            <a:extLst>
+              <a:ext uri="{FF2B5EF4-FFF2-40B4-BE49-F238E27FC236}">
+                <a16:creationId xmlns:a16="http://schemas.microsoft.com/office/drawing/2014/main" id="{449944BC-0BB9-4397-8916-AFDD46B50F70}"/>
+              </a:ext>
+            </a:extLst>
+          </p:cNvPr>
+          <p:cNvSpPr txBox="1"/>
+          <p:nvPr/>
+        </p:nvSpPr>
+        <p:spPr>
+          <a:xfrm>
+            <a:off x="4158538" y="2063243"/>
+            <a:ext cx="13066547" cy="2062103"/>
+          </a:xfrm>
+          <a:prstGeom prst="rect">
+            <a:avLst/>
+          </a:prstGeom>
+          <a:noFill/>
+        </p:spPr>
+        <p:txBody>
+          <a:bodyPr wrap="square" rtlCol="0">
+            <a:spAutoFit/>
+          </a:bodyPr>
+          <a:lstStyle/>
+          <a:p>
+            <a:pPr algn="ctr"/>
+            <a:r>
+              <a:rPr lang="de-DE" sz="8800" dirty="0">
+                <a:solidFill>
+                  <a:srgbClr val="0078D4"/>
+                </a:solidFill>
+                <a:latin typeface="Lucida Console" panose="020B0609040504020204" pitchFamily="49" charset="0"/>
+              </a:rPr>
+              <a:t>SmartBin</a:t>
+            </a:r>
+            <a:endParaRPr lang="de-DE" sz="4400" dirty="0">
+              <a:solidFill>
+                <a:srgbClr val="0078D4"/>
+              </a:solidFill>
+              <a:latin typeface="Lucida Console" panose="020B0609040504020204" pitchFamily="49" charset="0"/>
+            </a:endParaRPr>
+          </a:p>
+          <a:p>
+            <a:pPr algn="ctr"/>
+            <a:r>
+              <a:rPr lang="de-DE" sz="4000" dirty="0"/>
+              <a:t>Die Cloud-Lösung für intelligente Müllentsorgung</a:t>
+            </a:r>
+          </a:p>
+        </p:txBody>
+      </p:sp>
+      <p:sp>
+        <p:nvSpPr>
+          <p:cNvPr id="47" name="Rechteck 46">
+            <a:extLst>
+              <a:ext uri="{FF2B5EF4-FFF2-40B4-BE49-F238E27FC236}">
+                <a16:creationId xmlns:a16="http://schemas.microsoft.com/office/drawing/2014/main" id="{787E6C2E-B8BF-45DD-B255-29B41CA62C9F}"/>
+              </a:ext>
+            </a:extLst>
+          </p:cNvPr>
+          <p:cNvSpPr/>
+          <p:nvPr/>
+        </p:nvSpPr>
+        <p:spPr>
+          <a:xfrm>
+            <a:off x="11870070" y="29612638"/>
+            <a:ext cx="9753851" cy="584775"/>
+          </a:xfrm>
+          <a:prstGeom prst="rect">
+            <a:avLst/>
+          </a:prstGeom>
+        </p:spPr>
+        <p:txBody>
+          <a:bodyPr wrap="square">
+            <a:spAutoFit/>
+          </a:bodyPr>
+          <a:lstStyle/>
+          <a:p>
+            <a:r>
+              <a:rPr lang="de-DE" sz="3200" dirty="0">
+                <a:solidFill>
+                  <a:schemeClr val="lt1"/>
+                </a:solidFill>
+                <a:latin typeface="Segoe UI Semilight" panose="020B0402040204020203" pitchFamily="34" charset="0"/>
+                <a:cs typeface="Segoe UI Semilight" panose="020B0402040204020203" pitchFamily="34" charset="0"/>
+              </a:rPr>
+              <a:t>Dogan </a:t>
+            </a:r>
+            <a:r>
+              <a:rPr lang="de-DE" sz="3200" dirty="0" err="1">
+                <a:solidFill>
+                  <a:schemeClr val="lt1"/>
+                </a:solidFill>
+                <a:latin typeface="Segoe UI Semilight" panose="020B0402040204020203" pitchFamily="34" charset="0"/>
+                <a:cs typeface="Segoe UI Semilight" panose="020B0402040204020203" pitchFamily="34" charset="0"/>
+              </a:rPr>
+              <a:t>Mermertas</a:t>
+            </a:r>
+            <a:r>
+              <a:rPr lang="de-DE" sz="3200" dirty="0">
+                <a:solidFill>
+                  <a:schemeClr val="lt1"/>
+                </a:solidFill>
+                <a:latin typeface="Segoe UI Semilight" panose="020B0402040204020203" pitchFamily="34" charset="0"/>
+                <a:cs typeface="Segoe UI Semilight" panose="020B0402040204020203" pitchFamily="34" charset="0"/>
+              </a:rPr>
+              <a:t>, Jonathan Hamberger, Karl Herzog</a:t>
+            </a:r>
+          </a:p>
+        </p:txBody>
+      </p:sp>
     </p:spTree>
     <p:extLst>
       <p:ext uri="{BB962C8B-B14F-4D97-AF65-F5344CB8AC3E}">
